--- a/ppt 16-9/0471.幼苗成长.pptx
+++ b/ppt 16-9/0471.幼苗成长.pptx
@@ -129,7 +129,7 @@
           <p:cNvPr id="2" name="标题 1">
             <a:extLst>
               <a:ext uri="{FF2B5EF4-FFF2-40B4-BE49-F238E27FC236}">
-                <a16:creationId xmlns:a16="http://schemas.microsoft.com/office/drawing/2014/main" id="{97640862-B810-25A0-CDFD-C9E531F6C5E3}"/>
+                <a16:creationId xmlns:a16="http://schemas.microsoft.com/office/drawing/2014/main" id="{95F02394-B27D-31DE-7255-59FD9A215258}"/>
               </a:ext>
             </a:extLst>
           </p:cNvPr>
@@ -166,7 +166,7 @@
           <p:cNvPr id="3" name="副标题 2">
             <a:extLst>
               <a:ext uri="{FF2B5EF4-FFF2-40B4-BE49-F238E27FC236}">
-                <a16:creationId xmlns:a16="http://schemas.microsoft.com/office/drawing/2014/main" id="{E3509BC6-E611-7EA1-9F41-1EFC71EEAD7E}"/>
+                <a16:creationId xmlns:a16="http://schemas.microsoft.com/office/drawing/2014/main" id="{2CC4826B-2420-EEA4-5739-CABD51BC8599}"/>
               </a:ext>
             </a:extLst>
           </p:cNvPr>
@@ -236,7 +236,7 @@
           <p:cNvPr id="4" name="日期占位符 3">
             <a:extLst>
               <a:ext uri="{FF2B5EF4-FFF2-40B4-BE49-F238E27FC236}">
-                <a16:creationId xmlns:a16="http://schemas.microsoft.com/office/drawing/2014/main" id="{8636A510-9014-BE1F-858D-097E0D3EC733}"/>
+                <a16:creationId xmlns:a16="http://schemas.microsoft.com/office/drawing/2014/main" id="{4812D7F9-8987-30AE-8943-D447F8DF7049}"/>
               </a:ext>
             </a:extLst>
           </p:cNvPr>
@@ -252,7 +252,7 @@
           <a:bodyPr/>
           <a:lstStyle/>
           <a:p>
-            <a:fld id="{616C5173-7B8D-4800-89F8-56752C651A0B}" type="datetimeFigureOut">
+            <a:fld id="{7EFEB2F7-697C-4C71-B6A5-2F6B955681F5}" type="datetimeFigureOut">
               <a:rPr lang="zh-CN" altLang="en-US" smtClean="0"/>
               <a:t>2024/3/10</a:t>
             </a:fld>
@@ -265,7 +265,7 @@
           <p:cNvPr id="5" name="页脚占位符 4">
             <a:extLst>
               <a:ext uri="{FF2B5EF4-FFF2-40B4-BE49-F238E27FC236}">
-                <a16:creationId xmlns:a16="http://schemas.microsoft.com/office/drawing/2014/main" id="{F603BDF9-5576-D23C-18AC-A3265C66EE16}"/>
+                <a16:creationId xmlns:a16="http://schemas.microsoft.com/office/drawing/2014/main" id="{D3F44701-38F1-56B8-09CB-BDB41BD32F83}"/>
               </a:ext>
             </a:extLst>
           </p:cNvPr>
@@ -290,7 +290,7 @@
           <p:cNvPr id="6" name="灯片编号占位符 5">
             <a:extLst>
               <a:ext uri="{FF2B5EF4-FFF2-40B4-BE49-F238E27FC236}">
-                <a16:creationId xmlns:a16="http://schemas.microsoft.com/office/drawing/2014/main" id="{6E021389-C4E4-DFE9-7167-84DB7F2F9DE2}"/>
+                <a16:creationId xmlns:a16="http://schemas.microsoft.com/office/drawing/2014/main" id="{3DBFC153-A6CE-9DF8-20E1-4AED362A2195}"/>
               </a:ext>
             </a:extLst>
           </p:cNvPr>
@@ -306,7 +306,7 @@
           <a:bodyPr/>
           <a:lstStyle/>
           <a:p>
-            <a:fld id="{57223DC0-3D79-419A-9660-ECD8A2D3E874}" type="slidenum">
+            <a:fld id="{6FB86390-402C-4ED0-A1F2-E3C7264F753F}" type="slidenum">
               <a:rPr lang="zh-CN" altLang="en-US" smtClean="0"/>
               <a:t>‹#›</a:t>
             </a:fld>
@@ -317,7 +317,7 @@
     </p:spTree>
     <p:extLst>
       <p:ext uri="{BB962C8B-B14F-4D97-AF65-F5344CB8AC3E}">
-        <p14:creationId xmlns:p14="http://schemas.microsoft.com/office/powerpoint/2010/main" val="1887335495"/>
+        <p14:creationId xmlns:p14="http://schemas.microsoft.com/office/powerpoint/2010/main" val="3335766124"/>
       </p:ext>
     </p:extLst>
   </p:cSld>
@@ -349,7 +349,7 @@
           <p:cNvPr id="2" name="标题 1">
             <a:extLst>
               <a:ext uri="{FF2B5EF4-FFF2-40B4-BE49-F238E27FC236}">
-                <a16:creationId xmlns:a16="http://schemas.microsoft.com/office/drawing/2014/main" id="{41F7F1D4-A648-99C0-27E8-5FAEAE8FE15C}"/>
+                <a16:creationId xmlns:a16="http://schemas.microsoft.com/office/drawing/2014/main" id="{4565C520-82CE-801A-3670-04EC2223B975}"/>
               </a:ext>
             </a:extLst>
           </p:cNvPr>
@@ -377,7 +377,7 @@
           <p:cNvPr id="3" name="竖排文字占位符 2">
             <a:extLst>
               <a:ext uri="{FF2B5EF4-FFF2-40B4-BE49-F238E27FC236}">
-                <a16:creationId xmlns:a16="http://schemas.microsoft.com/office/drawing/2014/main" id="{BB0BDFE9-FFDF-FBF0-E160-C83C4BD73D18}"/>
+                <a16:creationId xmlns:a16="http://schemas.microsoft.com/office/drawing/2014/main" id="{AC624371-8096-942A-A7F6-8FD29E586653}"/>
               </a:ext>
             </a:extLst>
           </p:cNvPr>
@@ -434,7 +434,7 @@
           <p:cNvPr id="4" name="日期占位符 3">
             <a:extLst>
               <a:ext uri="{FF2B5EF4-FFF2-40B4-BE49-F238E27FC236}">
-                <a16:creationId xmlns:a16="http://schemas.microsoft.com/office/drawing/2014/main" id="{47A748E2-6B27-8216-5813-41A68A5EB410}"/>
+                <a16:creationId xmlns:a16="http://schemas.microsoft.com/office/drawing/2014/main" id="{EAC3C746-AD2D-C828-98DE-0F067767F658}"/>
               </a:ext>
             </a:extLst>
           </p:cNvPr>
@@ -450,7 +450,7 @@
           <a:bodyPr/>
           <a:lstStyle/>
           <a:p>
-            <a:fld id="{616C5173-7B8D-4800-89F8-56752C651A0B}" type="datetimeFigureOut">
+            <a:fld id="{7EFEB2F7-697C-4C71-B6A5-2F6B955681F5}" type="datetimeFigureOut">
               <a:rPr lang="zh-CN" altLang="en-US" smtClean="0"/>
               <a:t>2024/3/10</a:t>
             </a:fld>
@@ -463,7 +463,7 @@
           <p:cNvPr id="5" name="页脚占位符 4">
             <a:extLst>
               <a:ext uri="{FF2B5EF4-FFF2-40B4-BE49-F238E27FC236}">
-                <a16:creationId xmlns:a16="http://schemas.microsoft.com/office/drawing/2014/main" id="{EA479726-01E6-3456-7502-CA4F998953B5}"/>
+                <a16:creationId xmlns:a16="http://schemas.microsoft.com/office/drawing/2014/main" id="{D92D6AD6-C3FB-490E-AD56-9D405749CF06}"/>
               </a:ext>
             </a:extLst>
           </p:cNvPr>
@@ -488,7 +488,7 @@
           <p:cNvPr id="6" name="灯片编号占位符 5">
             <a:extLst>
               <a:ext uri="{FF2B5EF4-FFF2-40B4-BE49-F238E27FC236}">
-                <a16:creationId xmlns:a16="http://schemas.microsoft.com/office/drawing/2014/main" id="{F29303AA-50EA-0B1C-049A-581C5EFBD9E4}"/>
+                <a16:creationId xmlns:a16="http://schemas.microsoft.com/office/drawing/2014/main" id="{6B327B7C-3C18-7261-7EF0-6F2DE27DE2E2}"/>
               </a:ext>
             </a:extLst>
           </p:cNvPr>
@@ -504,7 +504,7 @@
           <a:bodyPr/>
           <a:lstStyle/>
           <a:p>
-            <a:fld id="{57223DC0-3D79-419A-9660-ECD8A2D3E874}" type="slidenum">
+            <a:fld id="{6FB86390-402C-4ED0-A1F2-E3C7264F753F}" type="slidenum">
               <a:rPr lang="zh-CN" altLang="en-US" smtClean="0"/>
               <a:t>‹#›</a:t>
             </a:fld>
@@ -515,7 +515,7 @@
     </p:spTree>
     <p:extLst>
       <p:ext uri="{BB962C8B-B14F-4D97-AF65-F5344CB8AC3E}">
-        <p14:creationId xmlns:p14="http://schemas.microsoft.com/office/powerpoint/2010/main" val="3496706976"/>
+        <p14:creationId xmlns:p14="http://schemas.microsoft.com/office/powerpoint/2010/main" val="556376126"/>
       </p:ext>
     </p:extLst>
   </p:cSld>
@@ -547,7 +547,7 @@
           <p:cNvPr id="2" name="竖排标题 1">
             <a:extLst>
               <a:ext uri="{FF2B5EF4-FFF2-40B4-BE49-F238E27FC236}">
-                <a16:creationId xmlns:a16="http://schemas.microsoft.com/office/drawing/2014/main" id="{DCC64F49-2515-EAF0-952F-90A050E71C86}"/>
+                <a16:creationId xmlns:a16="http://schemas.microsoft.com/office/drawing/2014/main" id="{A105D0D0-B9D4-3690-2B8B-95F33578066A}"/>
               </a:ext>
             </a:extLst>
           </p:cNvPr>
@@ -580,7 +580,7 @@
           <p:cNvPr id="3" name="竖排文字占位符 2">
             <a:extLst>
               <a:ext uri="{FF2B5EF4-FFF2-40B4-BE49-F238E27FC236}">
-                <a16:creationId xmlns:a16="http://schemas.microsoft.com/office/drawing/2014/main" id="{D0BD203D-0F83-541F-E1B2-7BEE76D52D9B}"/>
+                <a16:creationId xmlns:a16="http://schemas.microsoft.com/office/drawing/2014/main" id="{55309DEB-3FF2-262F-83A9-1878DBDCC122}"/>
               </a:ext>
             </a:extLst>
           </p:cNvPr>
@@ -642,7 +642,7 @@
           <p:cNvPr id="4" name="日期占位符 3">
             <a:extLst>
               <a:ext uri="{FF2B5EF4-FFF2-40B4-BE49-F238E27FC236}">
-                <a16:creationId xmlns:a16="http://schemas.microsoft.com/office/drawing/2014/main" id="{E4B68E90-26EB-170C-6D39-F51E225E4292}"/>
+                <a16:creationId xmlns:a16="http://schemas.microsoft.com/office/drawing/2014/main" id="{6378781F-AAF3-9C38-CC40-2293C9838658}"/>
               </a:ext>
             </a:extLst>
           </p:cNvPr>
@@ -658,7 +658,7 @@
           <a:bodyPr/>
           <a:lstStyle/>
           <a:p>
-            <a:fld id="{616C5173-7B8D-4800-89F8-56752C651A0B}" type="datetimeFigureOut">
+            <a:fld id="{7EFEB2F7-697C-4C71-B6A5-2F6B955681F5}" type="datetimeFigureOut">
               <a:rPr lang="zh-CN" altLang="en-US" smtClean="0"/>
               <a:t>2024/3/10</a:t>
             </a:fld>
@@ -671,7 +671,7 @@
           <p:cNvPr id="5" name="页脚占位符 4">
             <a:extLst>
               <a:ext uri="{FF2B5EF4-FFF2-40B4-BE49-F238E27FC236}">
-                <a16:creationId xmlns:a16="http://schemas.microsoft.com/office/drawing/2014/main" id="{AF68DEBB-EBE3-3567-CF10-DA8FFCF7FCFB}"/>
+                <a16:creationId xmlns:a16="http://schemas.microsoft.com/office/drawing/2014/main" id="{38B47299-16A4-32E2-4618-3840041C96E7}"/>
               </a:ext>
             </a:extLst>
           </p:cNvPr>
@@ -696,7 +696,7 @@
           <p:cNvPr id="6" name="灯片编号占位符 5">
             <a:extLst>
               <a:ext uri="{FF2B5EF4-FFF2-40B4-BE49-F238E27FC236}">
-                <a16:creationId xmlns:a16="http://schemas.microsoft.com/office/drawing/2014/main" id="{9CFB4320-FCE2-509F-F491-26328EC1252A}"/>
+                <a16:creationId xmlns:a16="http://schemas.microsoft.com/office/drawing/2014/main" id="{8AE07510-3502-408C-EB5F-F670E8DBCADC}"/>
               </a:ext>
             </a:extLst>
           </p:cNvPr>
@@ -712,7 +712,7 @@
           <a:bodyPr/>
           <a:lstStyle/>
           <a:p>
-            <a:fld id="{57223DC0-3D79-419A-9660-ECD8A2D3E874}" type="slidenum">
+            <a:fld id="{6FB86390-402C-4ED0-A1F2-E3C7264F753F}" type="slidenum">
               <a:rPr lang="zh-CN" altLang="en-US" smtClean="0"/>
               <a:t>‹#›</a:t>
             </a:fld>
@@ -723,7 +723,7 @@
     </p:spTree>
     <p:extLst>
       <p:ext uri="{BB962C8B-B14F-4D97-AF65-F5344CB8AC3E}">
-        <p14:creationId xmlns:p14="http://schemas.microsoft.com/office/powerpoint/2010/main" val="4183488659"/>
+        <p14:creationId xmlns:p14="http://schemas.microsoft.com/office/powerpoint/2010/main" val="625373739"/>
       </p:ext>
     </p:extLst>
   </p:cSld>
@@ -755,7 +755,7 @@
           <p:cNvPr id="2" name="标题 1">
             <a:extLst>
               <a:ext uri="{FF2B5EF4-FFF2-40B4-BE49-F238E27FC236}">
-                <a16:creationId xmlns:a16="http://schemas.microsoft.com/office/drawing/2014/main" id="{6A8943A2-8BD1-459C-FD32-7E34FEFBFF76}"/>
+                <a16:creationId xmlns:a16="http://schemas.microsoft.com/office/drawing/2014/main" id="{42587178-4374-BF9F-4055-338D7F1F5ABD}"/>
               </a:ext>
             </a:extLst>
           </p:cNvPr>
@@ -783,7 +783,7 @@
           <p:cNvPr id="3" name="内容占位符 2">
             <a:extLst>
               <a:ext uri="{FF2B5EF4-FFF2-40B4-BE49-F238E27FC236}">
-                <a16:creationId xmlns:a16="http://schemas.microsoft.com/office/drawing/2014/main" id="{313F9644-1522-62EF-EF23-5C2CB5971788}"/>
+                <a16:creationId xmlns:a16="http://schemas.microsoft.com/office/drawing/2014/main" id="{200E5E5C-618E-582E-C7A6-DD8B0439C38E}"/>
               </a:ext>
             </a:extLst>
           </p:cNvPr>
@@ -840,7 +840,7 @@
           <p:cNvPr id="4" name="日期占位符 3">
             <a:extLst>
               <a:ext uri="{FF2B5EF4-FFF2-40B4-BE49-F238E27FC236}">
-                <a16:creationId xmlns:a16="http://schemas.microsoft.com/office/drawing/2014/main" id="{86D1534F-AB69-FB14-F376-E85EF4D6D101}"/>
+                <a16:creationId xmlns:a16="http://schemas.microsoft.com/office/drawing/2014/main" id="{609CCFEE-636F-B8D3-D4DE-22823546D4D8}"/>
               </a:ext>
             </a:extLst>
           </p:cNvPr>
@@ -856,7 +856,7 @@
           <a:bodyPr/>
           <a:lstStyle/>
           <a:p>
-            <a:fld id="{616C5173-7B8D-4800-89F8-56752C651A0B}" type="datetimeFigureOut">
+            <a:fld id="{7EFEB2F7-697C-4C71-B6A5-2F6B955681F5}" type="datetimeFigureOut">
               <a:rPr lang="zh-CN" altLang="en-US" smtClean="0"/>
               <a:t>2024/3/10</a:t>
             </a:fld>
@@ -869,7 +869,7 @@
           <p:cNvPr id="5" name="页脚占位符 4">
             <a:extLst>
               <a:ext uri="{FF2B5EF4-FFF2-40B4-BE49-F238E27FC236}">
-                <a16:creationId xmlns:a16="http://schemas.microsoft.com/office/drawing/2014/main" id="{89BAC3FA-1108-BFEC-3AF6-7A0802FE2EEC}"/>
+                <a16:creationId xmlns:a16="http://schemas.microsoft.com/office/drawing/2014/main" id="{A9BC0DF9-D64A-B76E-79EF-E2EFDF3DF5EF}"/>
               </a:ext>
             </a:extLst>
           </p:cNvPr>
@@ -894,7 +894,7 @@
           <p:cNvPr id="6" name="灯片编号占位符 5">
             <a:extLst>
               <a:ext uri="{FF2B5EF4-FFF2-40B4-BE49-F238E27FC236}">
-                <a16:creationId xmlns:a16="http://schemas.microsoft.com/office/drawing/2014/main" id="{4BBEFCF2-9282-F1D4-45B8-FB7D0C0D5E0D}"/>
+                <a16:creationId xmlns:a16="http://schemas.microsoft.com/office/drawing/2014/main" id="{68EF6A65-58F9-F1AB-6DB8-D3DD832A734D}"/>
               </a:ext>
             </a:extLst>
           </p:cNvPr>
@@ -910,7 +910,7 @@
           <a:bodyPr/>
           <a:lstStyle/>
           <a:p>
-            <a:fld id="{57223DC0-3D79-419A-9660-ECD8A2D3E874}" type="slidenum">
+            <a:fld id="{6FB86390-402C-4ED0-A1F2-E3C7264F753F}" type="slidenum">
               <a:rPr lang="zh-CN" altLang="en-US" smtClean="0"/>
               <a:t>‹#›</a:t>
             </a:fld>
@@ -921,7 +921,7 @@
     </p:spTree>
     <p:extLst>
       <p:ext uri="{BB962C8B-B14F-4D97-AF65-F5344CB8AC3E}">
-        <p14:creationId xmlns:p14="http://schemas.microsoft.com/office/powerpoint/2010/main" val="3164656437"/>
+        <p14:creationId xmlns:p14="http://schemas.microsoft.com/office/powerpoint/2010/main" val="1124028168"/>
       </p:ext>
     </p:extLst>
   </p:cSld>
@@ -953,7 +953,7 @@
           <p:cNvPr id="2" name="标题 1">
             <a:extLst>
               <a:ext uri="{FF2B5EF4-FFF2-40B4-BE49-F238E27FC236}">
-                <a16:creationId xmlns:a16="http://schemas.microsoft.com/office/drawing/2014/main" id="{2C9253C7-B431-CE47-7206-F202D46A9A93}"/>
+                <a16:creationId xmlns:a16="http://schemas.microsoft.com/office/drawing/2014/main" id="{48B39BA6-1808-FC90-14BA-61F706574793}"/>
               </a:ext>
             </a:extLst>
           </p:cNvPr>
@@ -990,7 +990,7 @@
           <p:cNvPr id="3" name="文本占位符 2">
             <a:extLst>
               <a:ext uri="{FF2B5EF4-FFF2-40B4-BE49-F238E27FC236}">
-                <a16:creationId xmlns:a16="http://schemas.microsoft.com/office/drawing/2014/main" id="{DE8974C6-1D2A-4FB7-A639-043ADC5E2A95}"/>
+                <a16:creationId xmlns:a16="http://schemas.microsoft.com/office/drawing/2014/main" id="{5F5053AE-1425-FE64-12C6-6F9146A93905}"/>
               </a:ext>
             </a:extLst>
           </p:cNvPr>
@@ -1115,7 +1115,7 @@
           <p:cNvPr id="4" name="日期占位符 3">
             <a:extLst>
               <a:ext uri="{FF2B5EF4-FFF2-40B4-BE49-F238E27FC236}">
-                <a16:creationId xmlns:a16="http://schemas.microsoft.com/office/drawing/2014/main" id="{5AE0942B-FAED-C998-41A9-8A0814DAE150}"/>
+                <a16:creationId xmlns:a16="http://schemas.microsoft.com/office/drawing/2014/main" id="{62B481F1-8280-0228-431A-434A0F50C0F9}"/>
               </a:ext>
             </a:extLst>
           </p:cNvPr>
@@ -1131,7 +1131,7 @@
           <a:bodyPr/>
           <a:lstStyle/>
           <a:p>
-            <a:fld id="{616C5173-7B8D-4800-89F8-56752C651A0B}" type="datetimeFigureOut">
+            <a:fld id="{7EFEB2F7-697C-4C71-B6A5-2F6B955681F5}" type="datetimeFigureOut">
               <a:rPr lang="zh-CN" altLang="en-US" smtClean="0"/>
               <a:t>2024/3/10</a:t>
             </a:fld>
@@ -1144,7 +1144,7 @@
           <p:cNvPr id="5" name="页脚占位符 4">
             <a:extLst>
               <a:ext uri="{FF2B5EF4-FFF2-40B4-BE49-F238E27FC236}">
-                <a16:creationId xmlns:a16="http://schemas.microsoft.com/office/drawing/2014/main" id="{17F9421D-EB99-88E5-451D-79427F5204FE}"/>
+                <a16:creationId xmlns:a16="http://schemas.microsoft.com/office/drawing/2014/main" id="{FA60C429-03DC-EC25-3F1C-7BF583B12D23}"/>
               </a:ext>
             </a:extLst>
           </p:cNvPr>
@@ -1169,7 +1169,7 @@
           <p:cNvPr id="6" name="灯片编号占位符 5">
             <a:extLst>
               <a:ext uri="{FF2B5EF4-FFF2-40B4-BE49-F238E27FC236}">
-                <a16:creationId xmlns:a16="http://schemas.microsoft.com/office/drawing/2014/main" id="{D14BAFD8-0FCB-56C0-6921-34260DA2EC30}"/>
+                <a16:creationId xmlns:a16="http://schemas.microsoft.com/office/drawing/2014/main" id="{5C7E202F-9DA5-53AB-8CC2-1C21007403B2}"/>
               </a:ext>
             </a:extLst>
           </p:cNvPr>
@@ -1185,7 +1185,7 @@
           <a:bodyPr/>
           <a:lstStyle/>
           <a:p>
-            <a:fld id="{57223DC0-3D79-419A-9660-ECD8A2D3E874}" type="slidenum">
+            <a:fld id="{6FB86390-402C-4ED0-A1F2-E3C7264F753F}" type="slidenum">
               <a:rPr lang="zh-CN" altLang="en-US" smtClean="0"/>
               <a:t>‹#›</a:t>
             </a:fld>
@@ -1196,7 +1196,7 @@
     </p:spTree>
     <p:extLst>
       <p:ext uri="{BB962C8B-B14F-4D97-AF65-F5344CB8AC3E}">
-        <p14:creationId xmlns:p14="http://schemas.microsoft.com/office/powerpoint/2010/main" val="3898571351"/>
+        <p14:creationId xmlns:p14="http://schemas.microsoft.com/office/powerpoint/2010/main" val="1234672183"/>
       </p:ext>
     </p:extLst>
   </p:cSld>
@@ -1228,7 +1228,7 @@
           <p:cNvPr id="2" name="标题 1">
             <a:extLst>
               <a:ext uri="{FF2B5EF4-FFF2-40B4-BE49-F238E27FC236}">
-                <a16:creationId xmlns:a16="http://schemas.microsoft.com/office/drawing/2014/main" id="{9B53F867-7A77-8FF3-7690-154A03273C52}"/>
+                <a16:creationId xmlns:a16="http://schemas.microsoft.com/office/drawing/2014/main" id="{BC0B7585-6654-6BF2-6C8A-2E8C3042FE10}"/>
               </a:ext>
             </a:extLst>
           </p:cNvPr>
@@ -1256,7 +1256,7 @@
           <p:cNvPr id="3" name="内容占位符 2">
             <a:extLst>
               <a:ext uri="{FF2B5EF4-FFF2-40B4-BE49-F238E27FC236}">
-                <a16:creationId xmlns:a16="http://schemas.microsoft.com/office/drawing/2014/main" id="{3A25146E-FADB-E29C-54CD-E720536838EF}"/>
+                <a16:creationId xmlns:a16="http://schemas.microsoft.com/office/drawing/2014/main" id="{68182BC0-9E91-7CF2-C54C-E6E6AF89F0E2}"/>
               </a:ext>
             </a:extLst>
           </p:cNvPr>
@@ -1318,7 +1318,7 @@
           <p:cNvPr id="4" name="内容占位符 3">
             <a:extLst>
               <a:ext uri="{FF2B5EF4-FFF2-40B4-BE49-F238E27FC236}">
-                <a16:creationId xmlns:a16="http://schemas.microsoft.com/office/drawing/2014/main" id="{201878A3-3D0D-65A5-6FDC-A3B152ED13CB}"/>
+                <a16:creationId xmlns:a16="http://schemas.microsoft.com/office/drawing/2014/main" id="{6E9E3A6B-3560-D959-EFF7-0DE135905A15}"/>
               </a:ext>
             </a:extLst>
           </p:cNvPr>
@@ -1380,7 +1380,7 @@
           <p:cNvPr id="5" name="日期占位符 4">
             <a:extLst>
               <a:ext uri="{FF2B5EF4-FFF2-40B4-BE49-F238E27FC236}">
-                <a16:creationId xmlns:a16="http://schemas.microsoft.com/office/drawing/2014/main" id="{763860D0-3F76-D62F-61AB-62DC5DB639E8}"/>
+                <a16:creationId xmlns:a16="http://schemas.microsoft.com/office/drawing/2014/main" id="{5BABA0B0-0D5F-D89D-5D3A-B0D0B95968C2}"/>
               </a:ext>
             </a:extLst>
           </p:cNvPr>
@@ -1396,7 +1396,7 @@
           <a:bodyPr/>
           <a:lstStyle/>
           <a:p>
-            <a:fld id="{616C5173-7B8D-4800-89F8-56752C651A0B}" type="datetimeFigureOut">
+            <a:fld id="{7EFEB2F7-697C-4C71-B6A5-2F6B955681F5}" type="datetimeFigureOut">
               <a:rPr lang="zh-CN" altLang="en-US" smtClean="0"/>
               <a:t>2024/3/10</a:t>
             </a:fld>
@@ -1409,7 +1409,7 @@
           <p:cNvPr id="6" name="页脚占位符 5">
             <a:extLst>
               <a:ext uri="{FF2B5EF4-FFF2-40B4-BE49-F238E27FC236}">
-                <a16:creationId xmlns:a16="http://schemas.microsoft.com/office/drawing/2014/main" id="{30C12897-F873-125A-F033-4B1BD45F2919}"/>
+                <a16:creationId xmlns:a16="http://schemas.microsoft.com/office/drawing/2014/main" id="{4C0BA54F-D32E-0333-6347-1B75E84C2127}"/>
               </a:ext>
             </a:extLst>
           </p:cNvPr>
@@ -1434,7 +1434,7 @@
           <p:cNvPr id="7" name="灯片编号占位符 6">
             <a:extLst>
               <a:ext uri="{FF2B5EF4-FFF2-40B4-BE49-F238E27FC236}">
-                <a16:creationId xmlns:a16="http://schemas.microsoft.com/office/drawing/2014/main" id="{70D9B322-EFD0-65AF-79CE-068E1C079EA1}"/>
+                <a16:creationId xmlns:a16="http://schemas.microsoft.com/office/drawing/2014/main" id="{6C1AC7B0-C4CE-64B2-32FA-A5FA115DB2C8}"/>
               </a:ext>
             </a:extLst>
           </p:cNvPr>
@@ -1450,7 +1450,7 @@
           <a:bodyPr/>
           <a:lstStyle/>
           <a:p>
-            <a:fld id="{57223DC0-3D79-419A-9660-ECD8A2D3E874}" type="slidenum">
+            <a:fld id="{6FB86390-402C-4ED0-A1F2-E3C7264F753F}" type="slidenum">
               <a:rPr lang="zh-CN" altLang="en-US" smtClean="0"/>
               <a:t>‹#›</a:t>
             </a:fld>
@@ -1461,7 +1461,7 @@
     </p:spTree>
     <p:extLst>
       <p:ext uri="{BB962C8B-B14F-4D97-AF65-F5344CB8AC3E}">
-        <p14:creationId xmlns:p14="http://schemas.microsoft.com/office/powerpoint/2010/main" val="692889648"/>
+        <p14:creationId xmlns:p14="http://schemas.microsoft.com/office/powerpoint/2010/main" val="519037355"/>
       </p:ext>
     </p:extLst>
   </p:cSld>
@@ -1493,7 +1493,7 @@
           <p:cNvPr id="2" name="标题 1">
             <a:extLst>
               <a:ext uri="{FF2B5EF4-FFF2-40B4-BE49-F238E27FC236}">
-                <a16:creationId xmlns:a16="http://schemas.microsoft.com/office/drawing/2014/main" id="{E5FF9454-B6CC-3BF3-545B-F1FF6BCA2C92}"/>
+                <a16:creationId xmlns:a16="http://schemas.microsoft.com/office/drawing/2014/main" id="{C16781F8-7239-6A45-7768-BB773025EC13}"/>
               </a:ext>
             </a:extLst>
           </p:cNvPr>
@@ -1526,7 +1526,7 @@
           <p:cNvPr id="3" name="文本占位符 2">
             <a:extLst>
               <a:ext uri="{FF2B5EF4-FFF2-40B4-BE49-F238E27FC236}">
-                <a16:creationId xmlns:a16="http://schemas.microsoft.com/office/drawing/2014/main" id="{379245B0-785A-C245-5101-04DBCE4609A5}"/>
+                <a16:creationId xmlns:a16="http://schemas.microsoft.com/office/drawing/2014/main" id="{1E5BD578-707A-714B-47E4-25AD629C6475}"/>
               </a:ext>
             </a:extLst>
           </p:cNvPr>
@@ -1597,7 +1597,7 @@
           <p:cNvPr id="4" name="内容占位符 3">
             <a:extLst>
               <a:ext uri="{FF2B5EF4-FFF2-40B4-BE49-F238E27FC236}">
-                <a16:creationId xmlns:a16="http://schemas.microsoft.com/office/drawing/2014/main" id="{9A6E2287-6591-45B8-496A-D2A7C8297CD6}"/>
+                <a16:creationId xmlns:a16="http://schemas.microsoft.com/office/drawing/2014/main" id="{3560A837-17F5-6037-2BB7-F22E08762D61}"/>
               </a:ext>
             </a:extLst>
           </p:cNvPr>
@@ -1659,7 +1659,7 @@
           <p:cNvPr id="5" name="文本占位符 4">
             <a:extLst>
               <a:ext uri="{FF2B5EF4-FFF2-40B4-BE49-F238E27FC236}">
-                <a16:creationId xmlns:a16="http://schemas.microsoft.com/office/drawing/2014/main" id="{CBAC0E1F-1F80-957D-927F-2E98DBE16AC3}"/>
+                <a16:creationId xmlns:a16="http://schemas.microsoft.com/office/drawing/2014/main" id="{8E56C323-7DE5-4ADE-FFF0-4EC67957CE5C}"/>
               </a:ext>
             </a:extLst>
           </p:cNvPr>
@@ -1730,7 +1730,7 @@
           <p:cNvPr id="6" name="内容占位符 5">
             <a:extLst>
               <a:ext uri="{FF2B5EF4-FFF2-40B4-BE49-F238E27FC236}">
-                <a16:creationId xmlns:a16="http://schemas.microsoft.com/office/drawing/2014/main" id="{6FF7A38C-B38F-18DB-93F0-75FE26533020}"/>
+                <a16:creationId xmlns:a16="http://schemas.microsoft.com/office/drawing/2014/main" id="{9D7FB605-B527-4E9D-F5C4-119FDB832D09}"/>
               </a:ext>
             </a:extLst>
           </p:cNvPr>
@@ -1792,7 +1792,7 @@
           <p:cNvPr id="7" name="日期占位符 6">
             <a:extLst>
               <a:ext uri="{FF2B5EF4-FFF2-40B4-BE49-F238E27FC236}">
-                <a16:creationId xmlns:a16="http://schemas.microsoft.com/office/drawing/2014/main" id="{1767EC88-F7DD-1A40-ED87-DF6BDB9E9DB1}"/>
+                <a16:creationId xmlns:a16="http://schemas.microsoft.com/office/drawing/2014/main" id="{852A1F3B-F906-207F-37C1-2BFAFB6C82AE}"/>
               </a:ext>
             </a:extLst>
           </p:cNvPr>
@@ -1808,7 +1808,7 @@
           <a:bodyPr/>
           <a:lstStyle/>
           <a:p>
-            <a:fld id="{616C5173-7B8D-4800-89F8-56752C651A0B}" type="datetimeFigureOut">
+            <a:fld id="{7EFEB2F7-697C-4C71-B6A5-2F6B955681F5}" type="datetimeFigureOut">
               <a:rPr lang="zh-CN" altLang="en-US" smtClean="0"/>
               <a:t>2024/3/10</a:t>
             </a:fld>
@@ -1821,7 +1821,7 @@
           <p:cNvPr id="8" name="页脚占位符 7">
             <a:extLst>
               <a:ext uri="{FF2B5EF4-FFF2-40B4-BE49-F238E27FC236}">
-                <a16:creationId xmlns:a16="http://schemas.microsoft.com/office/drawing/2014/main" id="{E178969E-2C9E-4602-3D62-164845B5DE96}"/>
+                <a16:creationId xmlns:a16="http://schemas.microsoft.com/office/drawing/2014/main" id="{82312C04-EB39-A304-641F-61B9A91167CD}"/>
               </a:ext>
             </a:extLst>
           </p:cNvPr>
@@ -1846,7 +1846,7 @@
           <p:cNvPr id="9" name="灯片编号占位符 8">
             <a:extLst>
               <a:ext uri="{FF2B5EF4-FFF2-40B4-BE49-F238E27FC236}">
-                <a16:creationId xmlns:a16="http://schemas.microsoft.com/office/drawing/2014/main" id="{8A281E8B-3101-EE31-679F-BE127FCCBA8C}"/>
+                <a16:creationId xmlns:a16="http://schemas.microsoft.com/office/drawing/2014/main" id="{C4246F54-3412-B44E-7C7A-5678C40316E0}"/>
               </a:ext>
             </a:extLst>
           </p:cNvPr>
@@ -1862,7 +1862,7 @@
           <a:bodyPr/>
           <a:lstStyle/>
           <a:p>
-            <a:fld id="{57223DC0-3D79-419A-9660-ECD8A2D3E874}" type="slidenum">
+            <a:fld id="{6FB86390-402C-4ED0-A1F2-E3C7264F753F}" type="slidenum">
               <a:rPr lang="zh-CN" altLang="en-US" smtClean="0"/>
               <a:t>‹#›</a:t>
             </a:fld>
@@ -1873,7 +1873,7 @@
     </p:spTree>
     <p:extLst>
       <p:ext uri="{BB962C8B-B14F-4D97-AF65-F5344CB8AC3E}">
-        <p14:creationId xmlns:p14="http://schemas.microsoft.com/office/powerpoint/2010/main" val="2492112320"/>
+        <p14:creationId xmlns:p14="http://schemas.microsoft.com/office/powerpoint/2010/main" val="860926200"/>
       </p:ext>
     </p:extLst>
   </p:cSld>
@@ -1905,7 +1905,7 @@
           <p:cNvPr id="2" name="标题 1">
             <a:extLst>
               <a:ext uri="{FF2B5EF4-FFF2-40B4-BE49-F238E27FC236}">
-                <a16:creationId xmlns:a16="http://schemas.microsoft.com/office/drawing/2014/main" id="{87A6A9C7-F772-408A-115C-8F2D55BDF642}"/>
+                <a16:creationId xmlns:a16="http://schemas.microsoft.com/office/drawing/2014/main" id="{822F24D4-D97E-9ABA-BDE8-4E53C26977DE}"/>
               </a:ext>
             </a:extLst>
           </p:cNvPr>
@@ -1933,7 +1933,7 @@
           <p:cNvPr id="3" name="日期占位符 2">
             <a:extLst>
               <a:ext uri="{FF2B5EF4-FFF2-40B4-BE49-F238E27FC236}">
-                <a16:creationId xmlns:a16="http://schemas.microsoft.com/office/drawing/2014/main" id="{5AD92C28-51E7-4188-AC69-E3035E517426}"/>
+                <a16:creationId xmlns:a16="http://schemas.microsoft.com/office/drawing/2014/main" id="{43BC3FDB-30F2-F921-F25F-1C3DFC1CECB1}"/>
               </a:ext>
             </a:extLst>
           </p:cNvPr>
@@ -1949,7 +1949,7 @@
           <a:bodyPr/>
           <a:lstStyle/>
           <a:p>
-            <a:fld id="{616C5173-7B8D-4800-89F8-56752C651A0B}" type="datetimeFigureOut">
+            <a:fld id="{7EFEB2F7-697C-4C71-B6A5-2F6B955681F5}" type="datetimeFigureOut">
               <a:rPr lang="zh-CN" altLang="en-US" smtClean="0"/>
               <a:t>2024/3/10</a:t>
             </a:fld>
@@ -1962,7 +1962,7 @@
           <p:cNvPr id="4" name="页脚占位符 3">
             <a:extLst>
               <a:ext uri="{FF2B5EF4-FFF2-40B4-BE49-F238E27FC236}">
-                <a16:creationId xmlns:a16="http://schemas.microsoft.com/office/drawing/2014/main" id="{184C86CD-2A47-F18E-FF72-658A414D5C1A}"/>
+                <a16:creationId xmlns:a16="http://schemas.microsoft.com/office/drawing/2014/main" id="{1F3E790F-F0D2-736B-55D2-6C423C8E378F}"/>
               </a:ext>
             </a:extLst>
           </p:cNvPr>
@@ -1987,7 +1987,7 @@
           <p:cNvPr id="5" name="灯片编号占位符 4">
             <a:extLst>
               <a:ext uri="{FF2B5EF4-FFF2-40B4-BE49-F238E27FC236}">
-                <a16:creationId xmlns:a16="http://schemas.microsoft.com/office/drawing/2014/main" id="{569AFAC6-EE9D-FF62-655B-7A265D4EEE8B}"/>
+                <a16:creationId xmlns:a16="http://schemas.microsoft.com/office/drawing/2014/main" id="{9400C960-0115-19BB-2AE7-88C1A63473A2}"/>
               </a:ext>
             </a:extLst>
           </p:cNvPr>
@@ -2003,7 +2003,7 @@
           <a:bodyPr/>
           <a:lstStyle/>
           <a:p>
-            <a:fld id="{57223DC0-3D79-419A-9660-ECD8A2D3E874}" type="slidenum">
+            <a:fld id="{6FB86390-402C-4ED0-A1F2-E3C7264F753F}" type="slidenum">
               <a:rPr lang="zh-CN" altLang="en-US" smtClean="0"/>
               <a:t>‹#›</a:t>
             </a:fld>
@@ -2014,7 +2014,7 @@
     </p:spTree>
     <p:extLst>
       <p:ext uri="{BB962C8B-B14F-4D97-AF65-F5344CB8AC3E}">
-        <p14:creationId xmlns:p14="http://schemas.microsoft.com/office/powerpoint/2010/main" val="331145214"/>
+        <p14:creationId xmlns:p14="http://schemas.microsoft.com/office/powerpoint/2010/main" val="2680033467"/>
       </p:ext>
     </p:extLst>
   </p:cSld>
@@ -2046,7 +2046,7 @@
           <p:cNvPr id="2" name="日期占位符 1">
             <a:extLst>
               <a:ext uri="{FF2B5EF4-FFF2-40B4-BE49-F238E27FC236}">
-                <a16:creationId xmlns:a16="http://schemas.microsoft.com/office/drawing/2014/main" id="{EE092ED5-4EB1-F2BC-484A-6C4284351E13}"/>
+                <a16:creationId xmlns:a16="http://schemas.microsoft.com/office/drawing/2014/main" id="{2CCA325D-B570-AE1D-FB38-DC35A7C2441E}"/>
               </a:ext>
             </a:extLst>
           </p:cNvPr>
@@ -2062,7 +2062,7 @@
           <a:bodyPr/>
           <a:lstStyle/>
           <a:p>
-            <a:fld id="{616C5173-7B8D-4800-89F8-56752C651A0B}" type="datetimeFigureOut">
+            <a:fld id="{7EFEB2F7-697C-4C71-B6A5-2F6B955681F5}" type="datetimeFigureOut">
               <a:rPr lang="zh-CN" altLang="en-US" smtClean="0"/>
               <a:t>2024/3/10</a:t>
             </a:fld>
@@ -2075,7 +2075,7 @@
           <p:cNvPr id="3" name="页脚占位符 2">
             <a:extLst>
               <a:ext uri="{FF2B5EF4-FFF2-40B4-BE49-F238E27FC236}">
-                <a16:creationId xmlns:a16="http://schemas.microsoft.com/office/drawing/2014/main" id="{00CDF7D6-1332-FC0F-3C3C-70CB1FC8EBD6}"/>
+                <a16:creationId xmlns:a16="http://schemas.microsoft.com/office/drawing/2014/main" id="{643C4809-6B46-F4AD-A71F-7DF1B3B5EA35}"/>
               </a:ext>
             </a:extLst>
           </p:cNvPr>
@@ -2100,7 +2100,7 @@
           <p:cNvPr id="4" name="灯片编号占位符 3">
             <a:extLst>
               <a:ext uri="{FF2B5EF4-FFF2-40B4-BE49-F238E27FC236}">
-                <a16:creationId xmlns:a16="http://schemas.microsoft.com/office/drawing/2014/main" id="{4D3D7166-CB70-1F72-11D5-BF25A2A6F545}"/>
+                <a16:creationId xmlns:a16="http://schemas.microsoft.com/office/drawing/2014/main" id="{25F3C0A1-1D23-FFA2-612A-36C7D4432567}"/>
               </a:ext>
             </a:extLst>
           </p:cNvPr>
@@ -2116,7 +2116,7 @@
           <a:bodyPr/>
           <a:lstStyle/>
           <a:p>
-            <a:fld id="{57223DC0-3D79-419A-9660-ECD8A2D3E874}" type="slidenum">
+            <a:fld id="{6FB86390-402C-4ED0-A1F2-E3C7264F753F}" type="slidenum">
               <a:rPr lang="zh-CN" altLang="en-US" smtClean="0"/>
               <a:t>‹#›</a:t>
             </a:fld>
@@ -2127,7 +2127,7 @@
     </p:spTree>
     <p:extLst>
       <p:ext uri="{BB962C8B-B14F-4D97-AF65-F5344CB8AC3E}">
-        <p14:creationId xmlns:p14="http://schemas.microsoft.com/office/powerpoint/2010/main" val="1345432595"/>
+        <p14:creationId xmlns:p14="http://schemas.microsoft.com/office/powerpoint/2010/main" val="3771570859"/>
       </p:ext>
     </p:extLst>
   </p:cSld>
@@ -2159,7 +2159,7 @@
           <p:cNvPr id="2" name="标题 1">
             <a:extLst>
               <a:ext uri="{FF2B5EF4-FFF2-40B4-BE49-F238E27FC236}">
-                <a16:creationId xmlns:a16="http://schemas.microsoft.com/office/drawing/2014/main" id="{5DDE5A20-927B-2674-4ECC-489B5D277843}"/>
+                <a16:creationId xmlns:a16="http://schemas.microsoft.com/office/drawing/2014/main" id="{D8AD4DC8-7DF1-3212-9495-38DA58FF07BB}"/>
               </a:ext>
             </a:extLst>
           </p:cNvPr>
@@ -2196,7 +2196,7 @@
           <p:cNvPr id="3" name="内容占位符 2">
             <a:extLst>
               <a:ext uri="{FF2B5EF4-FFF2-40B4-BE49-F238E27FC236}">
-                <a16:creationId xmlns:a16="http://schemas.microsoft.com/office/drawing/2014/main" id="{A87C5229-0E2F-6830-04FC-18771EA7574B}"/>
+                <a16:creationId xmlns:a16="http://schemas.microsoft.com/office/drawing/2014/main" id="{B9CA857B-03F9-1C8B-CFA8-84A2B28DBB81}"/>
               </a:ext>
             </a:extLst>
           </p:cNvPr>
@@ -2286,7 +2286,7 @@
           <p:cNvPr id="4" name="文本占位符 3">
             <a:extLst>
               <a:ext uri="{FF2B5EF4-FFF2-40B4-BE49-F238E27FC236}">
-                <a16:creationId xmlns:a16="http://schemas.microsoft.com/office/drawing/2014/main" id="{E7E8902D-96E3-E7E1-BACB-472AB2F3542A}"/>
+                <a16:creationId xmlns:a16="http://schemas.microsoft.com/office/drawing/2014/main" id="{CBFA5A9B-2BA6-3461-F8B9-80003156998B}"/>
               </a:ext>
             </a:extLst>
           </p:cNvPr>
@@ -2357,7 +2357,7 @@
           <p:cNvPr id="5" name="日期占位符 4">
             <a:extLst>
               <a:ext uri="{FF2B5EF4-FFF2-40B4-BE49-F238E27FC236}">
-                <a16:creationId xmlns:a16="http://schemas.microsoft.com/office/drawing/2014/main" id="{99C58F7B-9DDE-313B-55EF-96DF0F47BF7E}"/>
+                <a16:creationId xmlns:a16="http://schemas.microsoft.com/office/drawing/2014/main" id="{5792F0F9-1419-DD23-5E1E-C0CBD2BBDDF1}"/>
               </a:ext>
             </a:extLst>
           </p:cNvPr>
@@ -2373,7 +2373,7 @@
           <a:bodyPr/>
           <a:lstStyle/>
           <a:p>
-            <a:fld id="{616C5173-7B8D-4800-89F8-56752C651A0B}" type="datetimeFigureOut">
+            <a:fld id="{7EFEB2F7-697C-4C71-B6A5-2F6B955681F5}" type="datetimeFigureOut">
               <a:rPr lang="zh-CN" altLang="en-US" smtClean="0"/>
               <a:t>2024/3/10</a:t>
             </a:fld>
@@ -2386,7 +2386,7 @@
           <p:cNvPr id="6" name="页脚占位符 5">
             <a:extLst>
               <a:ext uri="{FF2B5EF4-FFF2-40B4-BE49-F238E27FC236}">
-                <a16:creationId xmlns:a16="http://schemas.microsoft.com/office/drawing/2014/main" id="{D379C35E-CA7D-FBB9-AE9F-15515797C3C0}"/>
+                <a16:creationId xmlns:a16="http://schemas.microsoft.com/office/drawing/2014/main" id="{E9959C3C-339F-9D30-B9FC-E08AD2E0DF99}"/>
               </a:ext>
             </a:extLst>
           </p:cNvPr>
@@ -2411,7 +2411,7 @@
           <p:cNvPr id="7" name="灯片编号占位符 6">
             <a:extLst>
               <a:ext uri="{FF2B5EF4-FFF2-40B4-BE49-F238E27FC236}">
-                <a16:creationId xmlns:a16="http://schemas.microsoft.com/office/drawing/2014/main" id="{0E1DEB1A-28E2-77C2-BF72-FAD44358C523}"/>
+                <a16:creationId xmlns:a16="http://schemas.microsoft.com/office/drawing/2014/main" id="{8C26989E-85C3-4F22-D270-5B0DFA578A9A}"/>
               </a:ext>
             </a:extLst>
           </p:cNvPr>
@@ -2427,7 +2427,7 @@
           <a:bodyPr/>
           <a:lstStyle/>
           <a:p>
-            <a:fld id="{57223DC0-3D79-419A-9660-ECD8A2D3E874}" type="slidenum">
+            <a:fld id="{6FB86390-402C-4ED0-A1F2-E3C7264F753F}" type="slidenum">
               <a:rPr lang="zh-CN" altLang="en-US" smtClean="0"/>
               <a:t>‹#›</a:t>
             </a:fld>
@@ -2438,7 +2438,7 @@
     </p:spTree>
     <p:extLst>
       <p:ext uri="{BB962C8B-B14F-4D97-AF65-F5344CB8AC3E}">
-        <p14:creationId xmlns:p14="http://schemas.microsoft.com/office/powerpoint/2010/main" val="1989052413"/>
+        <p14:creationId xmlns:p14="http://schemas.microsoft.com/office/powerpoint/2010/main" val="3397571742"/>
       </p:ext>
     </p:extLst>
   </p:cSld>
@@ -2470,7 +2470,7 @@
           <p:cNvPr id="2" name="标题 1">
             <a:extLst>
               <a:ext uri="{FF2B5EF4-FFF2-40B4-BE49-F238E27FC236}">
-                <a16:creationId xmlns:a16="http://schemas.microsoft.com/office/drawing/2014/main" id="{66D5765F-6224-B498-2C32-717D4743C364}"/>
+                <a16:creationId xmlns:a16="http://schemas.microsoft.com/office/drawing/2014/main" id="{70CF8A50-62FA-D536-B304-F458B2365A92}"/>
               </a:ext>
             </a:extLst>
           </p:cNvPr>
@@ -2507,7 +2507,7 @@
           <p:cNvPr id="3" name="图片占位符 2">
             <a:extLst>
               <a:ext uri="{FF2B5EF4-FFF2-40B4-BE49-F238E27FC236}">
-                <a16:creationId xmlns:a16="http://schemas.microsoft.com/office/drawing/2014/main" id="{8CFA6998-B4BE-1721-5896-825AEA607265}"/>
+                <a16:creationId xmlns:a16="http://schemas.microsoft.com/office/drawing/2014/main" id="{69F145E2-E83E-EDB7-2011-F00A0A8F2054}"/>
               </a:ext>
             </a:extLst>
           </p:cNvPr>
@@ -2574,7 +2574,7 @@
           <p:cNvPr id="4" name="文本占位符 3">
             <a:extLst>
               <a:ext uri="{FF2B5EF4-FFF2-40B4-BE49-F238E27FC236}">
-                <a16:creationId xmlns:a16="http://schemas.microsoft.com/office/drawing/2014/main" id="{75FEA89F-7F37-5BEC-CA86-2348E4FD0929}"/>
+                <a16:creationId xmlns:a16="http://schemas.microsoft.com/office/drawing/2014/main" id="{F09B0915-7942-BFAF-7F02-DB355AC671FF}"/>
               </a:ext>
             </a:extLst>
           </p:cNvPr>
@@ -2645,7 +2645,7 @@
           <p:cNvPr id="5" name="日期占位符 4">
             <a:extLst>
               <a:ext uri="{FF2B5EF4-FFF2-40B4-BE49-F238E27FC236}">
-                <a16:creationId xmlns:a16="http://schemas.microsoft.com/office/drawing/2014/main" id="{B3987092-8619-C54D-AE4E-2AE51B69AD99}"/>
+                <a16:creationId xmlns:a16="http://schemas.microsoft.com/office/drawing/2014/main" id="{2333AF2A-CED4-75B9-C12B-73B6D2D17B69}"/>
               </a:ext>
             </a:extLst>
           </p:cNvPr>
@@ -2661,7 +2661,7 @@
           <a:bodyPr/>
           <a:lstStyle/>
           <a:p>
-            <a:fld id="{616C5173-7B8D-4800-89F8-56752C651A0B}" type="datetimeFigureOut">
+            <a:fld id="{7EFEB2F7-697C-4C71-B6A5-2F6B955681F5}" type="datetimeFigureOut">
               <a:rPr lang="zh-CN" altLang="en-US" smtClean="0"/>
               <a:t>2024/3/10</a:t>
             </a:fld>
@@ -2674,7 +2674,7 @@
           <p:cNvPr id="6" name="页脚占位符 5">
             <a:extLst>
               <a:ext uri="{FF2B5EF4-FFF2-40B4-BE49-F238E27FC236}">
-                <a16:creationId xmlns:a16="http://schemas.microsoft.com/office/drawing/2014/main" id="{2D868015-D230-52BF-A4F8-1F7179274665}"/>
+                <a16:creationId xmlns:a16="http://schemas.microsoft.com/office/drawing/2014/main" id="{49ED8719-62AA-1CD9-C042-45CE1D256E6C}"/>
               </a:ext>
             </a:extLst>
           </p:cNvPr>
@@ -2699,7 +2699,7 @@
           <p:cNvPr id="7" name="灯片编号占位符 6">
             <a:extLst>
               <a:ext uri="{FF2B5EF4-FFF2-40B4-BE49-F238E27FC236}">
-                <a16:creationId xmlns:a16="http://schemas.microsoft.com/office/drawing/2014/main" id="{AEB31877-CAE2-A119-28F2-D3E2901AA5CA}"/>
+                <a16:creationId xmlns:a16="http://schemas.microsoft.com/office/drawing/2014/main" id="{A5D2E9A2-64C3-4172-F870-6911129F36F6}"/>
               </a:ext>
             </a:extLst>
           </p:cNvPr>
@@ -2715,7 +2715,7 @@
           <a:bodyPr/>
           <a:lstStyle/>
           <a:p>
-            <a:fld id="{57223DC0-3D79-419A-9660-ECD8A2D3E874}" type="slidenum">
+            <a:fld id="{6FB86390-402C-4ED0-A1F2-E3C7264F753F}" type="slidenum">
               <a:rPr lang="zh-CN" altLang="en-US" smtClean="0"/>
               <a:t>‹#›</a:t>
             </a:fld>
@@ -2726,7 +2726,7 @@
     </p:spTree>
     <p:extLst>
       <p:ext uri="{BB962C8B-B14F-4D97-AF65-F5344CB8AC3E}">
-        <p14:creationId xmlns:p14="http://schemas.microsoft.com/office/powerpoint/2010/main" val="1184091891"/>
+        <p14:creationId xmlns:p14="http://schemas.microsoft.com/office/powerpoint/2010/main" val="4204703373"/>
       </p:ext>
     </p:extLst>
   </p:cSld>
@@ -2763,7 +2763,7 @@
           <p:cNvPr id="2" name="标题占位符 1">
             <a:extLst>
               <a:ext uri="{FF2B5EF4-FFF2-40B4-BE49-F238E27FC236}">
-                <a16:creationId xmlns:a16="http://schemas.microsoft.com/office/drawing/2014/main" id="{40ABCD26-4249-0E57-C72D-71BB654DA747}"/>
+                <a16:creationId xmlns:a16="http://schemas.microsoft.com/office/drawing/2014/main" id="{0394F8BC-D67E-B409-7073-609C50D958EB}"/>
               </a:ext>
             </a:extLst>
           </p:cNvPr>
@@ -2801,7 +2801,7 @@
           <p:cNvPr id="3" name="文本占位符 2">
             <a:extLst>
               <a:ext uri="{FF2B5EF4-FFF2-40B4-BE49-F238E27FC236}">
-                <a16:creationId xmlns:a16="http://schemas.microsoft.com/office/drawing/2014/main" id="{6A1A998A-B836-4F6C-F6E7-C2E260728ACB}"/>
+                <a16:creationId xmlns:a16="http://schemas.microsoft.com/office/drawing/2014/main" id="{B8D55201-5E03-C1D0-5D7D-6EA7EFC6D0B9}"/>
               </a:ext>
             </a:extLst>
           </p:cNvPr>
@@ -2868,7 +2868,7 @@
           <p:cNvPr id="4" name="日期占位符 3">
             <a:extLst>
               <a:ext uri="{FF2B5EF4-FFF2-40B4-BE49-F238E27FC236}">
-                <a16:creationId xmlns:a16="http://schemas.microsoft.com/office/drawing/2014/main" id="{62A2CE96-5D11-F850-04D4-F227A6D1DDD9}"/>
+                <a16:creationId xmlns:a16="http://schemas.microsoft.com/office/drawing/2014/main" id="{8E8B6B60-9E58-FE32-71D2-DBEE31732974}"/>
               </a:ext>
             </a:extLst>
           </p:cNvPr>
@@ -2902,7 +2902,7 @@
             </a:lvl1pPr>
           </a:lstStyle>
           <a:p>
-            <a:fld id="{616C5173-7B8D-4800-89F8-56752C651A0B}" type="datetimeFigureOut">
+            <a:fld id="{7EFEB2F7-697C-4C71-B6A5-2F6B955681F5}" type="datetimeFigureOut">
               <a:rPr lang="zh-CN" altLang="en-US" smtClean="0"/>
               <a:t>2024/3/10</a:t>
             </a:fld>
@@ -2915,7 +2915,7 @@
           <p:cNvPr id="5" name="页脚占位符 4">
             <a:extLst>
               <a:ext uri="{FF2B5EF4-FFF2-40B4-BE49-F238E27FC236}">
-                <a16:creationId xmlns:a16="http://schemas.microsoft.com/office/drawing/2014/main" id="{FF25369C-1CB3-9D90-DF07-35F7D4927E80}"/>
+                <a16:creationId xmlns:a16="http://schemas.microsoft.com/office/drawing/2014/main" id="{0746A767-0479-5055-2F03-CC747665889D}"/>
               </a:ext>
             </a:extLst>
           </p:cNvPr>
@@ -2958,7 +2958,7 @@
           <p:cNvPr id="6" name="灯片编号占位符 5">
             <a:extLst>
               <a:ext uri="{FF2B5EF4-FFF2-40B4-BE49-F238E27FC236}">
-                <a16:creationId xmlns:a16="http://schemas.microsoft.com/office/drawing/2014/main" id="{8442D429-FCAF-2BA5-AC15-C5557C166741}"/>
+                <a16:creationId xmlns:a16="http://schemas.microsoft.com/office/drawing/2014/main" id="{9B7F6DCB-3FE3-6407-5198-F25BC4314A5F}"/>
               </a:ext>
             </a:extLst>
           </p:cNvPr>
@@ -2992,7 +2992,7 @@
             </a:lvl1pPr>
           </a:lstStyle>
           <a:p>
-            <a:fld id="{57223DC0-3D79-419A-9660-ECD8A2D3E874}" type="slidenum">
+            <a:fld id="{6FB86390-402C-4ED0-A1F2-E3C7264F753F}" type="slidenum">
               <a:rPr lang="zh-CN" altLang="en-US" smtClean="0"/>
               <a:t>‹#›</a:t>
             </a:fld>
@@ -3003,7 +3003,7 @@
     </p:spTree>
     <p:extLst>
       <p:ext uri="{BB962C8B-B14F-4D97-AF65-F5344CB8AC3E}">
-        <p14:creationId xmlns:p14="http://schemas.microsoft.com/office/powerpoint/2010/main" val="2418982639"/>
+        <p14:creationId xmlns:p14="http://schemas.microsoft.com/office/powerpoint/2010/main" val="1756270974"/>
       </p:ext>
     </p:extLst>
   </p:cSld>
